--- a/COMP 4447 Midterm Presentation.pptx
+++ b/COMP 4447 Midterm Presentation.pptx
@@ -20,8 +20,8 @@
     <p:sldId id="266" r:id="rId11"/>
     <p:sldId id="278" r:id="rId12"/>
     <p:sldId id="263" r:id="rId13"/>
-    <p:sldId id="280" r:id="rId14"/>
-    <p:sldId id="274" r:id="rId15"/>
+    <p:sldId id="274" r:id="rId14"/>
+    <p:sldId id="280" r:id="rId15"/>
     <p:sldId id="279" r:id="rId16"/>
     <p:sldId id="272" r:id="rId17"/>
     <p:sldId id="273" r:id="rId18"/>
@@ -37068,6 +37068,157 @@
         <p:cNvPr id="1" name="">
           <a:extLst>
             <a:ext uri="{FF2B5EF4-FFF2-40B4-BE49-F238E27FC236}">
+              <a16:creationId xmlns:a16="http://schemas.microsoft.com/office/drawing/2014/main" id="{D372FBE0-F35A-9D14-0CF5-B01FCF64979B}"/>
+            </a:ext>
+          </a:extLst>
+        </p:cNvPr>
+        <p:cNvGrpSpPr/>
+        <p:nvPr/>
+      </p:nvGrpSpPr>
+      <p:grpSpPr>
+        <a:xfrm>
+          <a:off x="0" y="0"/>
+          <a:ext cx="0" cy="0"/>
+          <a:chOff x="0" y="0"/>
+          <a:chExt cx="0" cy="0"/>
+        </a:xfrm>
+      </p:grpSpPr>
+      <p:sp>
+        <p:nvSpPr>
+          <p:cNvPr id="2" name="Slide Image Placeholder 1">
+            <a:extLst>
+              <a:ext uri="{FF2B5EF4-FFF2-40B4-BE49-F238E27FC236}">
+                <a16:creationId xmlns:a16="http://schemas.microsoft.com/office/drawing/2014/main" id="{E15A1DCB-37B3-67D0-6D7E-7673D1A0CCD2}"/>
+              </a:ext>
+            </a:extLst>
+          </p:cNvPr>
+          <p:cNvSpPr>
+            <a:spLocks noGrp="1" noRot="1" noChangeAspect="1"/>
+          </p:cNvSpPr>
+          <p:nvPr>
+            <p:ph type="sldImg"/>
+          </p:nvPr>
+        </p:nvSpPr>
+        <p:spPr/>
+      </p:sp>
+      <p:sp>
+        <p:nvSpPr>
+          <p:cNvPr id="3" name="Notes Placeholder 2">
+            <a:extLst>
+              <a:ext uri="{FF2B5EF4-FFF2-40B4-BE49-F238E27FC236}">
+                <a16:creationId xmlns:a16="http://schemas.microsoft.com/office/drawing/2014/main" id="{6523AAE9-26AE-07D4-48CD-DF342B003E55}"/>
+              </a:ext>
+            </a:extLst>
+          </p:cNvPr>
+          <p:cNvSpPr>
+            <a:spLocks noGrp="1"/>
+          </p:cNvSpPr>
+          <p:nvPr>
+            <p:ph type="body" idx="1"/>
+          </p:nvPr>
+        </p:nvSpPr>
+        <p:spPr/>
+        <p:txBody>
+          <a:bodyPr/>
+          <a:lstStyle/>
+          <a:p>
+            <a:pPr marL="0" marR="0" lvl="0" indent="0" algn="l" defTabSz="914400" rtl="0" eaLnBrk="1" fontAlgn="auto" latinLnBrk="0" hangingPunct="1">
+              <a:lnSpc>
+                <a:spcPct val="100000"/>
+              </a:lnSpc>
+              <a:spcBef>
+                <a:spcPts val="0"/>
+              </a:spcBef>
+              <a:spcAft>
+                <a:spcPts val="0"/>
+              </a:spcAft>
+              <a:buClrTx/>
+              <a:buSzTx/>
+              <a:buFontTx/>
+              <a:buNone/>
+              <a:tabLst/>
+              <a:defRPr/>
+            </a:pPr>
+            <a:r>
+              <a:rPr lang="en-US" sz="1800" kern="0" dirty="0">
+                <a:solidFill>
+                  <a:srgbClr val="000000"/>
+                </a:solidFill>
+                <a:effectLst/>
+                <a:highlight>
+                  <a:srgbClr val="FFFFFF"/>
+                </a:highlight>
+                <a:latin typeface="Aptos" panose="020B0004020202020204" pitchFamily="34" charset="0"/>
+                <a:ea typeface="Times New Roman" panose="02020603050405020304" pitchFamily="18" charset="0"/>
+                <a:cs typeface="Times New Roman" panose="02020603050405020304" pitchFamily="18" charset="0"/>
+              </a:rPr>
+              <a:t>SVC achieved 56.03% accuracy, around 10% higher than RFC’s result, 47.12%. Hence, SVC performs better than RFC on the CIFAR-10 dataset. </a:t>
+            </a:r>
+            <a:endParaRPr lang="en-US" sz="1800" kern="100" dirty="0">
+              <a:effectLst/>
+              <a:highlight>
+                <a:srgbClr val="FFFFFF"/>
+              </a:highlight>
+              <a:latin typeface="Aptos" panose="020B0004020202020204" pitchFamily="34" charset="0"/>
+              <a:ea typeface="DengXian" panose="02010600030101010101" pitchFamily="2" charset="-122"/>
+              <a:cs typeface="Times New Roman" panose="02020603050405020304" pitchFamily="18" charset="0"/>
+            </a:endParaRPr>
+          </a:p>
+          <a:p>
+            <a:endParaRPr lang="en-US" dirty="0"/>
+          </a:p>
+        </p:txBody>
+      </p:sp>
+      <p:sp>
+        <p:nvSpPr>
+          <p:cNvPr id="4" name="Slide Number Placeholder 3">
+            <a:extLst>
+              <a:ext uri="{FF2B5EF4-FFF2-40B4-BE49-F238E27FC236}">
+                <a16:creationId xmlns:a16="http://schemas.microsoft.com/office/drawing/2014/main" id="{54A81BA1-8D4B-C2F7-EA33-C00945F4443F}"/>
+              </a:ext>
+            </a:extLst>
+          </p:cNvPr>
+          <p:cNvSpPr>
+            <a:spLocks noGrp="1"/>
+          </p:cNvSpPr>
+          <p:nvPr>
+            <p:ph type="sldNum" sz="quarter" idx="5"/>
+          </p:nvPr>
+        </p:nvSpPr>
+        <p:spPr/>
+        <p:txBody>
+          <a:bodyPr/>
+          <a:lstStyle/>
+          <a:p>
+            <a:fld id="{01AB5CCC-E292-F544-9421-E54EC79AD398}" type="slidenum">
+              <a:rPr lang="en-US" smtClean="0"/>
+              <a:t>13</a:t>
+            </a:fld>
+            <a:endParaRPr lang="en-US"/>
+          </a:p>
+        </p:txBody>
+      </p:sp>
+    </p:spTree>
+    <p:extLst>
+      <p:ext uri="{BB962C8B-B14F-4D97-AF65-F5344CB8AC3E}">
+        <p14:creationId xmlns:p14="http://schemas.microsoft.com/office/powerpoint/2010/main" val="3184538005"/>
+      </p:ext>
+    </p:extLst>
+  </p:cSld>
+  <p:clrMapOvr>
+    <a:masterClrMapping/>
+  </p:clrMapOvr>
+</p:notes>
+</file>
+
+<file path=ppt/notesSlides/notesSlide3.xml><?xml version="1.0" encoding="utf-8"?>
+<p:notes xmlns:a="http://schemas.openxmlformats.org/drawingml/2006/main" xmlns:r="http://schemas.openxmlformats.org/officeDocument/2006/relationships" xmlns:p="http://schemas.openxmlformats.org/presentationml/2006/main">
+  <p:cSld>
+    <p:spTree>
+      <p:nvGrpSpPr>
+        <p:cNvPr id="1" name="">
+          <a:extLst>
+            <a:ext uri="{FF2B5EF4-FFF2-40B4-BE49-F238E27FC236}">
               <a16:creationId xmlns:a16="http://schemas.microsoft.com/office/drawing/2014/main" id="{479FD8D3-0D4E-0B7C-C7FA-350988FD3CE8}"/>
             </a:ext>
           </a:extLst>
@@ -37192,7 +37343,7 @@
           <a:p>
             <a:fld id="{01AB5CCC-E292-F544-9421-E54EC79AD398}" type="slidenum">
               <a:rPr lang="en-US" smtClean="0"/>
-              <a:t>13</a:t>
+              <a:t>14</a:t>
             </a:fld>
             <a:endParaRPr lang="en-US"/>
           </a:p>
@@ -37202,157 +37353,6 @@
     <p:extLst>
       <p:ext uri="{BB962C8B-B14F-4D97-AF65-F5344CB8AC3E}">
         <p14:creationId xmlns:p14="http://schemas.microsoft.com/office/powerpoint/2010/main" val="3255469465"/>
-      </p:ext>
-    </p:extLst>
-  </p:cSld>
-  <p:clrMapOvr>
-    <a:masterClrMapping/>
-  </p:clrMapOvr>
-</p:notes>
-</file>
-
-<file path=ppt/notesSlides/notesSlide3.xml><?xml version="1.0" encoding="utf-8"?>
-<p:notes xmlns:a="http://schemas.openxmlformats.org/drawingml/2006/main" xmlns:r="http://schemas.openxmlformats.org/officeDocument/2006/relationships" xmlns:p="http://schemas.openxmlformats.org/presentationml/2006/main">
-  <p:cSld>
-    <p:spTree>
-      <p:nvGrpSpPr>
-        <p:cNvPr id="1" name="">
-          <a:extLst>
-            <a:ext uri="{FF2B5EF4-FFF2-40B4-BE49-F238E27FC236}">
-              <a16:creationId xmlns:a16="http://schemas.microsoft.com/office/drawing/2014/main" id="{D372FBE0-F35A-9D14-0CF5-B01FCF64979B}"/>
-            </a:ext>
-          </a:extLst>
-        </p:cNvPr>
-        <p:cNvGrpSpPr/>
-        <p:nvPr/>
-      </p:nvGrpSpPr>
-      <p:grpSpPr>
-        <a:xfrm>
-          <a:off x="0" y="0"/>
-          <a:ext cx="0" cy="0"/>
-          <a:chOff x="0" y="0"/>
-          <a:chExt cx="0" cy="0"/>
-        </a:xfrm>
-      </p:grpSpPr>
-      <p:sp>
-        <p:nvSpPr>
-          <p:cNvPr id="2" name="Slide Image Placeholder 1">
-            <a:extLst>
-              <a:ext uri="{FF2B5EF4-FFF2-40B4-BE49-F238E27FC236}">
-                <a16:creationId xmlns:a16="http://schemas.microsoft.com/office/drawing/2014/main" id="{E15A1DCB-37B3-67D0-6D7E-7673D1A0CCD2}"/>
-              </a:ext>
-            </a:extLst>
-          </p:cNvPr>
-          <p:cNvSpPr>
-            <a:spLocks noGrp="1" noRot="1" noChangeAspect="1"/>
-          </p:cNvSpPr>
-          <p:nvPr>
-            <p:ph type="sldImg"/>
-          </p:nvPr>
-        </p:nvSpPr>
-        <p:spPr/>
-      </p:sp>
-      <p:sp>
-        <p:nvSpPr>
-          <p:cNvPr id="3" name="Notes Placeholder 2">
-            <a:extLst>
-              <a:ext uri="{FF2B5EF4-FFF2-40B4-BE49-F238E27FC236}">
-                <a16:creationId xmlns:a16="http://schemas.microsoft.com/office/drawing/2014/main" id="{6523AAE9-26AE-07D4-48CD-DF342B003E55}"/>
-              </a:ext>
-            </a:extLst>
-          </p:cNvPr>
-          <p:cNvSpPr>
-            <a:spLocks noGrp="1"/>
-          </p:cNvSpPr>
-          <p:nvPr>
-            <p:ph type="body" idx="1"/>
-          </p:nvPr>
-        </p:nvSpPr>
-        <p:spPr/>
-        <p:txBody>
-          <a:bodyPr/>
-          <a:lstStyle/>
-          <a:p>
-            <a:pPr marL="0" marR="0" lvl="0" indent="0" algn="l" defTabSz="914400" rtl="0" eaLnBrk="1" fontAlgn="auto" latinLnBrk="0" hangingPunct="1">
-              <a:lnSpc>
-                <a:spcPct val="100000"/>
-              </a:lnSpc>
-              <a:spcBef>
-                <a:spcPts val="0"/>
-              </a:spcBef>
-              <a:spcAft>
-                <a:spcPts val="0"/>
-              </a:spcAft>
-              <a:buClrTx/>
-              <a:buSzTx/>
-              <a:buFontTx/>
-              <a:buNone/>
-              <a:tabLst/>
-              <a:defRPr/>
-            </a:pPr>
-            <a:r>
-              <a:rPr lang="en-US" sz="1800" kern="0" dirty="0">
-                <a:solidFill>
-                  <a:srgbClr val="000000"/>
-                </a:solidFill>
-                <a:effectLst/>
-                <a:highlight>
-                  <a:srgbClr val="FFFFFF"/>
-                </a:highlight>
-                <a:latin typeface="Aptos" panose="020B0004020202020204" pitchFamily="34" charset="0"/>
-                <a:ea typeface="Times New Roman" panose="02020603050405020304" pitchFamily="18" charset="0"/>
-                <a:cs typeface="Times New Roman" panose="02020603050405020304" pitchFamily="18" charset="0"/>
-              </a:rPr>
-              <a:t>SVC achieved 56.03% accuracy, around 10% higher than RFC’s result, 47.12%. Hence, SVC performs better than RFC on the CIFAR-10 dataset. </a:t>
-            </a:r>
-            <a:endParaRPr lang="en-US" sz="1800" kern="100" dirty="0">
-              <a:effectLst/>
-              <a:highlight>
-                <a:srgbClr val="FFFFFF"/>
-              </a:highlight>
-              <a:latin typeface="Aptos" panose="020B0004020202020204" pitchFamily="34" charset="0"/>
-              <a:ea typeface="DengXian" panose="02010600030101010101" pitchFamily="2" charset="-122"/>
-              <a:cs typeface="Times New Roman" panose="02020603050405020304" pitchFamily="18" charset="0"/>
-            </a:endParaRPr>
-          </a:p>
-          <a:p>
-            <a:endParaRPr lang="en-US" dirty="0"/>
-          </a:p>
-        </p:txBody>
-      </p:sp>
-      <p:sp>
-        <p:nvSpPr>
-          <p:cNvPr id="4" name="Slide Number Placeholder 3">
-            <a:extLst>
-              <a:ext uri="{FF2B5EF4-FFF2-40B4-BE49-F238E27FC236}">
-                <a16:creationId xmlns:a16="http://schemas.microsoft.com/office/drawing/2014/main" id="{54A81BA1-8D4B-C2F7-EA33-C00945F4443F}"/>
-              </a:ext>
-            </a:extLst>
-          </p:cNvPr>
-          <p:cNvSpPr>
-            <a:spLocks noGrp="1"/>
-          </p:cNvSpPr>
-          <p:nvPr>
-            <p:ph type="sldNum" sz="quarter" idx="5"/>
-          </p:nvPr>
-        </p:nvSpPr>
-        <p:spPr/>
-        <p:txBody>
-          <a:bodyPr/>
-          <a:lstStyle/>
-          <a:p>
-            <a:fld id="{01AB5CCC-E292-F544-9421-E54EC79AD398}" type="slidenum">
-              <a:rPr lang="en-US" smtClean="0"/>
-              <a:t>14</a:t>
-            </a:fld>
-            <a:endParaRPr lang="en-US"/>
-          </a:p>
-        </p:txBody>
-      </p:sp>
-    </p:spTree>
-    <p:extLst>
-      <p:ext uri="{BB962C8B-B14F-4D97-AF65-F5344CB8AC3E}">
-        <p14:creationId xmlns:p14="http://schemas.microsoft.com/office/powerpoint/2010/main" val="3184538005"/>
       </p:ext>
     </p:extLst>
   </p:cSld>
@@ -42728,102 +42728,6 @@
 <file path=ppt/slides/slide13.xml><?xml version="1.0" encoding="utf-8"?>
 <p:sld xmlns:a="http://schemas.openxmlformats.org/drawingml/2006/main" xmlns:r="http://schemas.openxmlformats.org/officeDocument/2006/relationships" xmlns:p="http://schemas.openxmlformats.org/presentationml/2006/main">
   <p:cSld>
-    <p:spTree>
-      <p:nvGrpSpPr>
-        <p:cNvPr id="1" name="">
-          <a:extLst>
-            <a:ext uri="{FF2B5EF4-FFF2-40B4-BE49-F238E27FC236}">
-              <a16:creationId xmlns:a16="http://schemas.microsoft.com/office/drawing/2014/main" id="{46B401B9-0B85-EA29-50FA-D55F68B384B6}"/>
-            </a:ext>
-          </a:extLst>
-        </p:cNvPr>
-        <p:cNvGrpSpPr/>
-        <p:nvPr/>
-      </p:nvGrpSpPr>
-      <p:grpSpPr>
-        <a:xfrm>
-          <a:off x="0" y="0"/>
-          <a:ext cx="0" cy="0"/>
-          <a:chOff x="0" y="0"/>
-          <a:chExt cx="0" cy="0"/>
-        </a:xfrm>
-      </p:grpSpPr>
-      <p:sp>
-        <p:nvSpPr>
-          <p:cNvPr id="3" name="Content Placeholder 2">
-            <a:extLst>
-              <a:ext uri="{FF2B5EF4-FFF2-40B4-BE49-F238E27FC236}">
-                <a16:creationId xmlns:a16="http://schemas.microsoft.com/office/drawing/2014/main" id="{16728D37-5336-EB1D-F5F2-C3B21AE3120B}"/>
-              </a:ext>
-            </a:extLst>
-          </p:cNvPr>
-          <p:cNvSpPr>
-            <a:spLocks noGrp="1"/>
-          </p:cNvSpPr>
-          <p:nvPr>
-            <p:ph idx="1"/>
-          </p:nvPr>
-        </p:nvSpPr>
-        <p:spPr>
-          <a:xfrm>
-            <a:off x="6096000" y="4683969"/>
-            <a:ext cx="5638800" cy="1465973"/>
-          </a:xfrm>
-        </p:spPr>
-        <p:txBody>
-          <a:bodyPr>
-            <a:normAutofit/>
-          </a:bodyPr>
-          <a:lstStyle/>
-          <a:p>
-            <a:r>
-              <a:rPr lang="en-US" sz="2400" dirty="0"/>
-              <a:t>Add comparison here</a:t>
-            </a:r>
-          </a:p>
-        </p:txBody>
-      </p:sp>
-      <p:sp>
-        <p:nvSpPr>
-          <p:cNvPr id="6" name="Title 5">
-            <a:extLst>
-              <a:ext uri="{FF2B5EF4-FFF2-40B4-BE49-F238E27FC236}">
-                <a16:creationId xmlns:a16="http://schemas.microsoft.com/office/drawing/2014/main" id="{88E1E9DB-00CD-3DEC-D601-F6C3621BA637}"/>
-              </a:ext>
-            </a:extLst>
-          </p:cNvPr>
-          <p:cNvSpPr>
-            <a:spLocks noGrp="1"/>
-          </p:cNvSpPr>
-          <p:nvPr>
-            <p:ph type="title"/>
-          </p:nvPr>
-        </p:nvSpPr>
-        <p:spPr/>
-        <p:txBody>
-          <a:bodyPr/>
-          <a:lstStyle/>
-          <a:p>
-            <a:endParaRPr lang="en-US"/>
-          </a:p>
-        </p:txBody>
-      </p:sp>
-    </p:spTree>
-    <p:extLst>
-      <p:ext uri="{BB962C8B-B14F-4D97-AF65-F5344CB8AC3E}">
-        <p14:creationId xmlns:p14="http://schemas.microsoft.com/office/powerpoint/2010/main" val="4259310687"/>
-      </p:ext>
-    </p:extLst>
-  </p:cSld>
-  <p:clrMapOvr>
-    <a:masterClrMapping/>
-  </p:clrMapOvr>
-</p:sld>
-</file>
-
-<file path=ppt/slides/slide14.xml><?xml version="1.0" encoding="utf-8"?>
-<p:sld xmlns:a="http://schemas.openxmlformats.org/drawingml/2006/main" xmlns:r="http://schemas.openxmlformats.org/officeDocument/2006/relationships" xmlns:p="http://schemas.openxmlformats.org/presentationml/2006/main">
-  <p:cSld>
     <p:bg>
       <p:bgPr>
         <a:solidFill>
@@ -44833,6 +44737,1156 @@
     <p:extLst>
       <p:ext uri="{BB962C8B-B14F-4D97-AF65-F5344CB8AC3E}">
         <p14:creationId xmlns:p14="http://schemas.microsoft.com/office/powerpoint/2010/main" val="2443729474"/>
+      </p:ext>
+    </p:extLst>
+  </p:cSld>
+  <p:clrMapOvr>
+    <a:masterClrMapping/>
+  </p:clrMapOvr>
+</p:sld>
+</file>
+
+<file path=ppt/slides/slide14.xml><?xml version="1.0" encoding="utf-8"?>
+<p:sld xmlns:a="http://schemas.openxmlformats.org/drawingml/2006/main" xmlns:r="http://schemas.openxmlformats.org/officeDocument/2006/relationships" xmlns:p="http://schemas.openxmlformats.org/presentationml/2006/main">
+  <p:cSld>
+    <p:bg>
+      <p:bgPr>
+        <a:solidFill>
+          <a:schemeClr val="bg1"/>
+        </a:solidFill>
+        <a:effectLst/>
+      </p:bgPr>
+    </p:bg>
+    <p:spTree>
+      <p:nvGrpSpPr>
+        <p:cNvPr id="1" name="">
+          <a:extLst>
+            <a:ext uri="{FF2B5EF4-FFF2-40B4-BE49-F238E27FC236}">
+              <a16:creationId xmlns:a16="http://schemas.microsoft.com/office/drawing/2014/main" id="{46B401B9-0B85-EA29-50FA-D55F68B384B6}"/>
+            </a:ext>
+          </a:extLst>
+        </p:cNvPr>
+        <p:cNvGrpSpPr/>
+        <p:nvPr/>
+      </p:nvGrpSpPr>
+      <p:grpSpPr>
+        <a:xfrm>
+          <a:off x="0" y="0"/>
+          <a:ext cx="0" cy="0"/>
+          <a:chOff x="0" y="0"/>
+          <a:chExt cx="0" cy="0"/>
+        </a:xfrm>
+      </p:grpSpPr>
+      <p:sp useBgFill="1">
+        <p:nvSpPr>
+          <p:cNvPr id="33" name="Rectangle 32">
+            <a:extLst>
+              <a:ext uri="{FF2B5EF4-FFF2-40B4-BE49-F238E27FC236}">
+                <a16:creationId xmlns:a16="http://schemas.microsoft.com/office/drawing/2014/main" id="{2550BE34-C2B8-49B8-8519-67A8CAD51AE9}"/>
+              </a:ext>
+              <a:ext uri="{C183D7F6-B498-43B3-948B-1728B52AA6E4}">
+                <adec:decorative xmlns:adec="http://schemas.microsoft.com/office/drawing/2017/decorative" val="1"/>
+              </a:ext>
+            </a:extLst>
+          </p:cNvPr>
+          <p:cNvSpPr>
+            <a:spLocks noGrp="1" noRot="1" noChangeAspect="1" noMove="1" noResize="1" noEditPoints="1" noAdjustHandles="1" noChangeArrowheads="1" noChangeShapeType="1" noTextEdit="1"/>
+          </p:cNvSpPr>
+          <p:nvPr>
+            <p:extLst>
+              <p:ext uri="{386F3935-93C4-4BCD-93E2-E3B085C9AB24}">
+                <p16:designElem xmlns:p16="http://schemas.microsoft.com/office/powerpoint/2015/main" val="1"/>
+              </p:ext>
+            </p:extLst>
+          </p:nvPr>
+        </p:nvSpPr>
+        <p:spPr>
+          <a:xfrm>
+            <a:off x="0" y="0"/>
+            <a:ext cx="12192000" cy="6858000"/>
+          </a:xfrm>
+          <a:prstGeom prst="rect">
+            <a:avLst/>
+          </a:prstGeom>
+          <a:ln>
+            <a:noFill/>
+          </a:ln>
+        </p:spPr>
+        <p:style>
+          <a:lnRef idx="2">
+            <a:schemeClr val="accent1">
+              <a:shade val="50000"/>
+            </a:schemeClr>
+          </a:lnRef>
+          <a:fillRef idx="1">
+            <a:schemeClr val="accent1"/>
+          </a:fillRef>
+          <a:effectRef idx="0">
+            <a:schemeClr val="accent1"/>
+          </a:effectRef>
+          <a:fontRef idx="minor">
+            <a:schemeClr val="lt1"/>
+          </a:fontRef>
+        </p:style>
+        <p:txBody>
+          <a:bodyPr rtlCol="0" anchor="ctr"/>
+          <a:lstStyle/>
+          <a:p>
+            <a:pPr algn="ctr"/>
+            <a:endParaRPr lang="en-US"/>
+          </a:p>
+        </p:txBody>
+      </p:sp>
+      <p:sp useBgFill="1">
+        <p:nvSpPr>
+          <p:cNvPr id="35" name="Rectangle 34">
+            <a:extLst>
+              <a:ext uri="{FF2B5EF4-FFF2-40B4-BE49-F238E27FC236}">
+                <a16:creationId xmlns:a16="http://schemas.microsoft.com/office/drawing/2014/main" id="{A7457DD9-5A45-400A-AB4B-4B4EDECA25F1}"/>
+              </a:ext>
+              <a:ext uri="{C183D7F6-B498-43B3-948B-1728B52AA6E4}">
+                <adec:decorative xmlns:adec="http://schemas.microsoft.com/office/drawing/2017/decorative" val="1"/>
+              </a:ext>
+            </a:extLst>
+          </p:cNvPr>
+          <p:cNvSpPr>
+            <a:spLocks noGrp="1" noRot="1" noChangeAspect="1" noMove="1" noResize="1" noEditPoints="1" noAdjustHandles="1" noChangeArrowheads="1" noChangeShapeType="1" noTextEdit="1"/>
+          </p:cNvSpPr>
+          <p:nvPr>
+            <p:extLst>
+              <p:ext uri="{386F3935-93C4-4BCD-93E2-E3B085C9AB24}">
+                <p16:designElem xmlns:p16="http://schemas.microsoft.com/office/powerpoint/2015/main" val="1"/>
+              </p:ext>
+            </p:extLst>
+          </p:nvPr>
+        </p:nvSpPr>
+        <p:spPr>
+          <a:xfrm>
+            <a:off x="554416" y="365125"/>
+            <a:ext cx="11167447" cy="2089317"/>
+          </a:xfrm>
+          <a:prstGeom prst="rect">
+            <a:avLst/>
+          </a:prstGeom>
+          <a:ln w="12700">
+            <a:solidFill>
+              <a:srgbClr val="DEDEDE"/>
+            </a:solidFill>
+          </a:ln>
+          <a:effectLst>
+            <a:outerShdw blurRad="50800" dist="38100" dir="2700000" algn="tl" rotWithShape="0">
+              <a:schemeClr val="bg2">
+                <a:lumMod val="85000"/>
+                <a:alpha val="50000"/>
+              </a:schemeClr>
+            </a:outerShdw>
+          </a:effectLst>
+        </p:spPr>
+        <p:style>
+          <a:lnRef idx="2">
+            <a:schemeClr val="accent1">
+              <a:shade val="50000"/>
+            </a:schemeClr>
+          </a:lnRef>
+          <a:fillRef idx="1">
+            <a:schemeClr val="accent1"/>
+          </a:fillRef>
+          <a:effectRef idx="0">
+            <a:schemeClr val="accent1"/>
+          </a:effectRef>
+          <a:fontRef idx="minor">
+            <a:schemeClr val="lt1"/>
+          </a:fontRef>
+        </p:style>
+        <p:txBody>
+          <a:bodyPr rtlCol="0" anchor="ctr"/>
+          <a:lstStyle/>
+          <a:p>
+            <a:pPr marL="0" marR="0" lvl="0" indent="0" algn="ctr" defTabSz="914400" rtl="0" eaLnBrk="1" fontAlgn="auto" latinLnBrk="0" hangingPunct="1">
+              <a:lnSpc>
+                <a:spcPct val="100000"/>
+              </a:lnSpc>
+              <a:spcBef>
+                <a:spcPts val="0"/>
+              </a:spcBef>
+              <a:spcAft>
+                <a:spcPts val="0"/>
+              </a:spcAft>
+              <a:buClrTx/>
+              <a:buSzTx/>
+              <a:buFontTx/>
+              <a:buNone/>
+              <a:tabLst/>
+              <a:defRPr/>
+            </a:pPr>
+            <a:endParaRPr kumimoji="0" lang="en-US" sz="1800" b="0" i="0" u="none" strike="noStrike" kern="1200" cap="none" spc="0" normalizeH="0" baseline="0" noProof="0">
+              <a:ln>
+                <a:noFill/>
+              </a:ln>
+              <a:solidFill>
+                <a:prstClr val="white"/>
+              </a:solidFill>
+              <a:effectLst/>
+              <a:uLnTx/>
+              <a:uFillTx/>
+              <a:latin typeface="Calibri" panose="020F0502020204030204"/>
+              <a:ea typeface="+mn-ea"/>
+              <a:cs typeface="+mn-cs"/>
+            </a:endParaRPr>
+          </a:p>
+        </p:txBody>
+      </p:sp>
+      <p:sp>
+        <p:nvSpPr>
+          <p:cNvPr id="6" name="Title 5">
+            <a:extLst>
+              <a:ext uri="{FF2B5EF4-FFF2-40B4-BE49-F238E27FC236}">
+                <a16:creationId xmlns:a16="http://schemas.microsoft.com/office/drawing/2014/main" id="{88E1E9DB-00CD-3DEC-D601-F6C3621BA637}"/>
+              </a:ext>
+            </a:extLst>
+          </p:cNvPr>
+          <p:cNvSpPr>
+            <a:spLocks noGrp="1"/>
+          </p:cNvSpPr>
+          <p:nvPr>
+            <p:ph type="title"/>
+          </p:nvPr>
+        </p:nvSpPr>
+        <p:spPr>
+          <a:xfrm>
+            <a:off x="1046746" y="586822"/>
+            <a:ext cx="3560252" cy="1645920"/>
+          </a:xfrm>
+        </p:spPr>
+        <p:txBody>
+          <a:bodyPr>
+            <a:normAutofit/>
+          </a:bodyPr>
+          <a:lstStyle/>
+          <a:p>
+            <a:r>
+              <a:rPr lang="en-US" sz="3200" kern="1200" dirty="0">
+                <a:latin typeface="+mj-lt"/>
+                <a:ea typeface="+mj-ea"/>
+                <a:cs typeface="+mj-cs"/>
+              </a:rPr>
+              <a:t>Experimental Results 3</a:t>
+            </a:r>
+            <a:endParaRPr lang="en-US" sz="3200" dirty="0"/>
+          </a:p>
+        </p:txBody>
+      </p:sp>
+      <p:sp>
+        <p:nvSpPr>
+          <p:cNvPr id="37" name="Rectangle 36">
+            <a:extLst>
+              <a:ext uri="{FF2B5EF4-FFF2-40B4-BE49-F238E27FC236}">
+                <a16:creationId xmlns:a16="http://schemas.microsoft.com/office/drawing/2014/main" id="{441CF7D6-A660-431A-B0BB-140A0D5556B6}"/>
+              </a:ext>
+              <a:ext uri="{C183D7F6-B498-43B3-948B-1728B52AA6E4}">
+                <adec:decorative xmlns:adec="http://schemas.microsoft.com/office/drawing/2017/decorative" val="1"/>
+              </a:ext>
+            </a:extLst>
+          </p:cNvPr>
+          <p:cNvSpPr>
+            <a:spLocks noGrp="1" noRot="1" noChangeAspect="1" noMove="1" noResize="1" noEditPoints="1" noAdjustHandles="1" noChangeArrowheads="1" noChangeShapeType="1" noTextEdit="1"/>
+          </p:cNvSpPr>
+          <p:nvPr>
+            <p:extLst>
+              <p:ext uri="{386F3935-93C4-4BCD-93E2-E3B085C9AB24}">
+                <p16:designElem xmlns:p16="http://schemas.microsoft.com/office/powerpoint/2015/main" val="1"/>
+              </p:ext>
+            </p:extLst>
+          </p:nvPr>
+        </p:nvSpPr>
+        <p:spPr>
+          <a:xfrm>
+            <a:off x="490408" y="1057739"/>
+            <a:ext cx="128016" cy="704088"/>
+          </a:xfrm>
+          <a:prstGeom prst="rect">
+            <a:avLst/>
+          </a:prstGeom>
+          <a:solidFill>
+            <a:schemeClr val="accent2"/>
+          </a:solidFill>
+          <a:ln>
+            <a:noFill/>
+          </a:ln>
+        </p:spPr>
+        <p:style>
+          <a:lnRef idx="2">
+            <a:schemeClr val="accent1">
+              <a:shade val="50000"/>
+            </a:schemeClr>
+          </a:lnRef>
+          <a:fillRef idx="1">
+            <a:schemeClr val="accent1"/>
+          </a:fillRef>
+          <a:effectRef idx="0">
+            <a:schemeClr val="accent1"/>
+          </a:effectRef>
+          <a:fontRef idx="minor">
+            <a:schemeClr val="lt1"/>
+          </a:fontRef>
+        </p:style>
+        <p:txBody>
+          <a:bodyPr rtlCol="0" anchor="ctr"/>
+          <a:lstStyle/>
+          <a:p>
+            <a:pPr algn="ctr"/>
+            <a:endParaRPr lang="en-US" dirty="0">
+              <a:solidFill>
+                <a:prstClr val="white"/>
+              </a:solidFill>
+              <a:latin typeface="Calibri" panose="020F0502020204030204"/>
+            </a:endParaRPr>
+          </a:p>
+        </p:txBody>
+      </p:sp>
+      <p:sp>
+        <p:nvSpPr>
+          <p:cNvPr id="39" name="Rectangle 38">
+            <a:extLst>
+              <a:ext uri="{FF2B5EF4-FFF2-40B4-BE49-F238E27FC236}">
+                <a16:creationId xmlns:a16="http://schemas.microsoft.com/office/drawing/2014/main" id="{0570A85B-3810-4F95-97B0-CBF4CCDB381C}"/>
+              </a:ext>
+              <a:ext uri="{C183D7F6-B498-43B3-948B-1728B52AA6E4}">
+                <adec:decorative xmlns:adec="http://schemas.microsoft.com/office/drawing/2017/decorative" val="1"/>
+              </a:ext>
+            </a:extLst>
+          </p:cNvPr>
+          <p:cNvSpPr>
+            <a:spLocks noGrp="1" noRot="1" noChangeAspect="1" noMove="1" noResize="1" noEditPoints="1" noAdjustHandles="1" noChangeArrowheads="1" noChangeShapeType="1" noTextEdit="1"/>
+          </p:cNvSpPr>
+          <p:nvPr>
+            <p:extLst>
+              <p:ext uri="{386F3935-93C4-4BCD-93E2-E3B085C9AB24}">
+                <p16:designElem xmlns:p16="http://schemas.microsoft.com/office/powerpoint/2015/main" val="1"/>
+              </p:ext>
+            </p:extLst>
+          </p:nvPr>
+        </p:nvSpPr>
+        <p:spPr>
+          <a:xfrm rot="5400000">
+            <a:off x="4243541" y="1400638"/>
+            <a:ext cx="1463040" cy="18288"/>
+          </a:xfrm>
+          <a:prstGeom prst="rect">
+            <a:avLst/>
+          </a:prstGeom>
+          <a:solidFill>
+            <a:srgbClr val="D5D5D5"/>
+          </a:solidFill>
+          <a:ln w="3175">
+            <a:noFill/>
+          </a:ln>
+          <a:effectLst/>
+        </p:spPr>
+        <p:style>
+          <a:lnRef idx="2">
+            <a:schemeClr val="accent1">
+              <a:shade val="50000"/>
+            </a:schemeClr>
+          </a:lnRef>
+          <a:fillRef idx="1">
+            <a:schemeClr val="accent1"/>
+          </a:fillRef>
+          <a:effectRef idx="0">
+            <a:schemeClr val="accent1"/>
+          </a:effectRef>
+          <a:fontRef idx="minor">
+            <a:schemeClr val="lt1"/>
+          </a:fontRef>
+        </p:style>
+        <p:txBody>
+          <a:bodyPr rtlCol="0" anchor="ctr"/>
+          <a:lstStyle/>
+          <a:p>
+            <a:pPr algn="ctr"/>
+            <a:endParaRPr lang="en-US">
+              <a:solidFill>
+                <a:prstClr val="white"/>
+              </a:solidFill>
+              <a:latin typeface="Calibri" panose="020F0502020204030204"/>
+            </a:endParaRPr>
+          </a:p>
+        </p:txBody>
+      </p:sp>
+      <p:sp>
+        <p:nvSpPr>
+          <p:cNvPr id="3" name="Content Placeholder 2">
+            <a:extLst>
+              <a:ext uri="{FF2B5EF4-FFF2-40B4-BE49-F238E27FC236}">
+                <a16:creationId xmlns:a16="http://schemas.microsoft.com/office/drawing/2014/main" id="{16728D37-5336-EB1D-F5F2-C3B21AE3120B}"/>
+              </a:ext>
+            </a:extLst>
+          </p:cNvPr>
+          <p:cNvSpPr>
+            <a:spLocks noGrp="1"/>
+          </p:cNvSpPr>
+          <p:nvPr>
+            <p:ph idx="1"/>
+          </p:nvPr>
+        </p:nvSpPr>
+        <p:spPr>
+          <a:xfrm>
+            <a:off x="5351164" y="586822"/>
+            <a:ext cx="6002636" cy="1645920"/>
+          </a:xfrm>
+        </p:spPr>
+        <p:txBody>
+          <a:bodyPr anchor="ctr">
+            <a:normAutofit/>
+          </a:bodyPr>
+          <a:lstStyle/>
+          <a:p>
+            <a:r>
+              <a:rPr lang="en-US" sz="2400" dirty="0"/>
+              <a:t>Traditional model is less competitive than SOTA deep learning models, due to its weak representative capability.</a:t>
+            </a:r>
+          </a:p>
+        </p:txBody>
+      </p:sp>
+      <p:sp>
+        <p:nvSpPr>
+          <p:cNvPr id="4" name="Rectangle 1">
+            <a:extLst>
+              <a:ext uri="{FF2B5EF4-FFF2-40B4-BE49-F238E27FC236}">
+                <a16:creationId xmlns:a16="http://schemas.microsoft.com/office/drawing/2014/main" id="{2B2A9D22-9121-2A06-1790-257B0D85CB2B}"/>
+              </a:ext>
+            </a:extLst>
+          </p:cNvPr>
+          <p:cNvSpPr>
+            <a:spLocks noChangeArrowheads="1"/>
+          </p:cNvSpPr>
+          <p:nvPr/>
+        </p:nvSpPr>
+        <p:spPr bwMode="auto">
+          <a:xfrm>
+            <a:off x="3079750" y="2971800"/>
+            <a:ext cx="12192000" cy="457200"/>
+          </a:xfrm>
+          <a:prstGeom prst="rect">
+            <a:avLst/>
+          </a:prstGeom>
+          <a:noFill/>
+          <a:ln>
+            <a:noFill/>
+          </a:ln>
+          <a:effectLst/>
+          <a:extLst>
+            <a:ext uri="{909E8E84-426E-40DD-AFC4-6F175D3DCCD1}">
+              <a14:hiddenFill xmlns:a14="http://schemas.microsoft.com/office/drawing/2010/main">
+                <a:solidFill>
+                  <a:schemeClr val="accent1"/>
+                </a:solidFill>
+              </a14:hiddenFill>
+            </a:ext>
+            <a:ext uri="{91240B29-F687-4F45-9708-019B960494DF}">
+              <a14:hiddenLine xmlns:a14="http://schemas.microsoft.com/office/drawing/2010/main" w="9525">
+                <a:solidFill>
+                  <a:schemeClr val="tx1"/>
+                </a:solidFill>
+                <a:miter lim="800000"/>
+                <a:headEnd/>
+                <a:tailEnd/>
+              </a14:hiddenLine>
+            </a:ext>
+            <a:ext uri="{AF507438-7753-43E0-B8FC-AC1667EBCBE1}">
+              <a14:hiddenEffects xmlns:a14="http://schemas.microsoft.com/office/drawing/2010/main">
+                <a:effectLst>
+                  <a:outerShdw dist="35921" dir="2700000" algn="ctr" rotWithShape="0">
+                    <a:schemeClr val="bg2"/>
+                  </a:outerShdw>
+                </a:effectLst>
+              </a14:hiddenEffects>
+            </a:ext>
+          </a:extLst>
+        </p:spPr>
+        <p:txBody>
+          <a:bodyPr vert="horz" wrap="none" lIns="91440" tIns="45720" rIns="91440" bIns="45720" numCol="1" anchor="ctr" anchorCtr="0" compatLnSpc="1">
+            <a:prstTxWarp prst="textNoShape">
+              <a:avLst/>
+            </a:prstTxWarp>
+            <a:spAutoFit/>
+          </a:bodyPr>
+          <a:lstStyle/>
+          <a:p>
+            <a:endParaRPr lang="en-US"/>
+          </a:p>
+        </p:txBody>
+      </p:sp>
+      <p:graphicFrame>
+        <p:nvGraphicFramePr>
+          <p:cNvPr id="2" name="Table 1">
+            <a:extLst>
+              <a:ext uri="{FF2B5EF4-FFF2-40B4-BE49-F238E27FC236}">
+                <a16:creationId xmlns:a16="http://schemas.microsoft.com/office/drawing/2014/main" id="{BF9C5C76-D584-296A-24D2-DA2D4573AD4B}"/>
+              </a:ext>
+            </a:extLst>
+          </p:cNvPr>
+          <p:cNvGraphicFramePr>
+            <a:graphicFrameLocks noGrp="1"/>
+          </p:cNvGraphicFramePr>
+          <p:nvPr>
+            <p:extLst>
+              <p:ext uri="{D42A27DB-BD31-4B8C-83A1-F6EECF244321}">
+                <p14:modId xmlns:p14="http://schemas.microsoft.com/office/powerpoint/2010/main" val="2567366584"/>
+              </p:ext>
+            </p:extLst>
+          </p:nvPr>
+        </p:nvGraphicFramePr>
+        <p:xfrm>
+          <a:off x="557784" y="2749022"/>
+          <a:ext cx="11164825" cy="3453933"/>
+        </p:xfrm>
+        <a:graphic>
+          <a:graphicData uri="http://schemas.openxmlformats.org/drawingml/2006/table">
+            <a:tbl>
+              <a:tblPr firstRow="1" firstCol="1" bandRow="1">
+                <a:noFill/>
+                <a:tableStyleId>{2D5ABB26-0587-4C30-8999-92F81FD0307C}</a:tableStyleId>
+              </a:tblPr>
+              <a:tblGrid>
+                <a:gridCol w="6715693">
+                  <a:extLst>
+                    <a:ext uri="{9D8B030D-6E8A-4147-A177-3AD203B41FA5}">
+                      <a16:colId xmlns:a16="http://schemas.microsoft.com/office/drawing/2014/main" val="801147100"/>
+                    </a:ext>
+                  </a:extLst>
+                </a:gridCol>
+                <a:gridCol w="4449132">
+                  <a:extLst>
+                    <a:ext uri="{9D8B030D-6E8A-4147-A177-3AD203B41FA5}">
+                      <a16:colId xmlns:a16="http://schemas.microsoft.com/office/drawing/2014/main" val="650745146"/>
+                    </a:ext>
+                  </a:extLst>
+                </a:gridCol>
+              </a:tblGrid>
+              <a:tr h="741953">
+                <a:tc>
+                  <a:txBody>
+                    <a:bodyPr/>
+                    <a:lstStyle/>
+                    <a:p>
+                      <a:pPr marL="0" marR="0">
+                        <a:lnSpc>
+                          <a:spcPct val="115000"/>
+                        </a:lnSpc>
+                        <a:spcBef>
+                          <a:spcPts val="0"/>
+                        </a:spcBef>
+                        <a:spcAft>
+                          <a:spcPts val="0"/>
+                        </a:spcAft>
+                      </a:pPr>
+                      <a:r>
+                        <a:rPr lang="en-US" sz="2100" b="0" kern="0" cap="all" spc="150">
+                          <a:solidFill>
+                            <a:schemeClr val="lt1"/>
+                          </a:solidFill>
+                          <a:effectLst/>
+                        </a:rPr>
+                        <a:t>Model</a:t>
+                      </a:r>
+                      <a:endParaRPr lang="en-US" sz="2100" b="0" kern="100" cap="all" spc="150">
+                        <a:solidFill>
+                          <a:schemeClr val="lt1"/>
+                        </a:solidFill>
+                        <a:effectLst/>
+                        <a:latin typeface="Aptos" panose="020B0004020202020204" pitchFamily="34" charset="0"/>
+                        <a:ea typeface="DengXian" panose="02010600030101010101" pitchFamily="2" charset="-122"/>
+                        <a:cs typeface="Times New Roman" panose="02020603050405020304" pitchFamily="18" charset="0"/>
+                      </a:endParaRPr>
+                    </a:p>
+                  </a:txBody>
+                  <a:tcPr marL="176889" marR="176889" marT="176889" marB="176889" anchor="b">
+                    <a:lnL w="12700" cmpd="sng">
+                      <a:noFill/>
+                      <a:prstDash val="solid"/>
+                    </a:lnL>
+                    <a:lnR w="12700" cmpd="sng">
+                      <a:noFill/>
+                      <a:prstDash val="solid"/>
+                    </a:lnR>
+                    <a:lnT w="12700" cmpd="sng">
+                      <a:noFill/>
+                      <a:prstDash val="solid"/>
+                    </a:lnT>
+                    <a:lnB w="12700" cmpd="sng">
+                      <a:noFill/>
+                      <a:prstDash val="solid"/>
+                    </a:lnB>
+                    <a:solidFill>
+                      <a:srgbClr val="505356"/>
+                    </a:solidFill>
+                  </a:tcPr>
+                </a:tc>
+                <a:tc>
+                  <a:txBody>
+                    <a:bodyPr/>
+                    <a:lstStyle/>
+                    <a:p>
+                      <a:pPr marL="0" marR="0" algn="ctr">
+                        <a:lnSpc>
+                          <a:spcPct val="115000"/>
+                        </a:lnSpc>
+                        <a:spcBef>
+                          <a:spcPts val="0"/>
+                        </a:spcBef>
+                        <a:spcAft>
+                          <a:spcPts val="0"/>
+                        </a:spcAft>
+                      </a:pPr>
+                      <a:r>
+                        <a:rPr lang="en-US" sz="2100" b="0" kern="0" cap="all" spc="150">
+                          <a:solidFill>
+                            <a:schemeClr val="lt1"/>
+                          </a:solidFill>
+                          <a:effectLst/>
+                        </a:rPr>
+                        <a:t>Accuracy</a:t>
+                      </a:r>
+                      <a:endParaRPr lang="en-US" sz="2100" b="0" kern="100" cap="all" spc="150">
+                        <a:solidFill>
+                          <a:schemeClr val="lt1"/>
+                        </a:solidFill>
+                        <a:effectLst/>
+                        <a:latin typeface="Aptos" panose="020B0004020202020204" pitchFamily="34" charset="0"/>
+                        <a:ea typeface="DengXian" panose="02010600030101010101" pitchFamily="2" charset="-122"/>
+                        <a:cs typeface="Times New Roman" panose="02020603050405020304" pitchFamily="18" charset="0"/>
+                      </a:endParaRPr>
+                    </a:p>
+                  </a:txBody>
+                  <a:tcPr marL="176889" marR="176889" marT="176889" marB="176889" anchor="b">
+                    <a:lnL w="12700" cmpd="sng">
+                      <a:noFill/>
+                      <a:prstDash val="solid"/>
+                    </a:lnL>
+                    <a:lnR w="12700" cmpd="sng">
+                      <a:noFill/>
+                      <a:prstDash val="solid"/>
+                    </a:lnR>
+                    <a:lnT w="12700" cmpd="sng">
+                      <a:noFill/>
+                      <a:prstDash val="solid"/>
+                    </a:lnT>
+                    <a:lnB w="12700" cmpd="sng">
+                      <a:noFill/>
+                      <a:prstDash val="solid"/>
+                    </a:lnB>
+                    <a:solidFill>
+                      <a:srgbClr val="505356"/>
+                    </a:solidFill>
+                  </a:tcPr>
+                </a:tc>
+                <a:extLst>
+                  <a:ext uri="{0D108BD9-81ED-4DB2-BD59-A6C34878D82A}">
+                    <a16:rowId xmlns:a16="http://schemas.microsoft.com/office/drawing/2014/main" val="1037632644"/>
+                  </a:ext>
+                </a:extLst>
+              </a:tr>
+              <a:tr h="677995">
+                <a:tc>
+                  <a:txBody>
+                    <a:bodyPr/>
+                    <a:lstStyle/>
+                    <a:p>
+                      <a:pPr marL="0" marR="0">
+                        <a:lnSpc>
+                          <a:spcPct val="115000"/>
+                        </a:lnSpc>
+                        <a:spcBef>
+                          <a:spcPts val="0"/>
+                        </a:spcBef>
+                        <a:spcAft>
+                          <a:spcPts val="0"/>
+                        </a:spcAft>
+                      </a:pPr>
+                      <a:r>
+                        <a:rPr lang="en-US" sz="1700" b="1" kern="0" cap="none" spc="0">
+                          <a:solidFill>
+                            <a:schemeClr val="tx1"/>
+                          </a:solidFill>
+                          <a:effectLst/>
+                        </a:rPr>
+                        <a:t>ViT-H/14 (Dosovitskiy, 2020)</a:t>
+                      </a:r>
+                      <a:endParaRPr lang="en-US" sz="1700" b="1" kern="100" cap="none" spc="0">
+                        <a:solidFill>
+                          <a:schemeClr val="tx1"/>
+                        </a:solidFill>
+                        <a:effectLst/>
+                        <a:latin typeface="Aptos" panose="020B0004020202020204" pitchFamily="34" charset="0"/>
+                        <a:ea typeface="DengXian" panose="02010600030101010101" pitchFamily="2" charset="-122"/>
+                        <a:cs typeface="Times New Roman" panose="02020603050405020304" pitchFamily="18" charset="0"/>
+                      </a:endParaRPr>
+                    </a:p>
+                  </a:txBody>
+                  <a:tcPr marL="176889" marR="176889" marT="176889" marB="176889">
+                    <a:lnL w="12700" cmpd="sng">
+                      <a:noFill/>
+                      <a:prstDash val="solid"/>
+                    </a:lnL>
+                    <a:lnR w="12700" cmpd="sng">
+                      <a:noFill/>
+                      <a:prstDash val="solid"/>
+                    </a:lnR>
+                    <a:lnT w="12700" cmpd="sng">
+                      <a:noFill/>
+                      <a:prstDash val="solid"/>
+                    </a:lnT>
+                    <a:lnB w="12700" cmpd="sng">
+                      <a:noFill/>
+                      <a:prstDash val="solid"/>
+                    </a:lnB>
+                    <a:noFill/>
+                  </a:tcPr>
+                </a:tc>
+                <a:tc>
+                  <a:txBody>
+                    <a:bodyPr/>
+                    <a:lstStyle/>
+                    <a:p>
+                      <a:pPr marL="0" marR="0" algn="ctr">
+                        <a:lnSpc>
+                          <a:spcPct val="115000"/>
+                        </a:lnSpc>
+                        <a:spcBef>
+                          <a:spcPts val="0"/>
+                        </a:spcBef>
+                        <a:spcAft>
+                          <a:spcPts val="0"/>
+                        </a:spcAft>
+                      </a:pPr>
+                      <a:r>
+                        <a:rPr lang="en-US" sz="1700" kern="0" cap="none" spc="0">
+                          <a:solidFill>
+                            <a:schemeClr val="tx1"/>
+                          </a:solidFill>
+                          <a:effectLst/>
+                        </a:rPr>
+                        <a:t>99.50%,</a:t>
+                      </a:r>
+                      <a:endParaRPr lang="en-US" sz="1700" kern="100" cap="none" spc="0">
+                        <a:solidFill>
+                          <a:schemeClr val="tx1"/>
+                        </a:solidFill>
+                        <a:effectLst/>
+                        <a:latin typeface="Aptos" panose="020B0004020202020204" pitchFamily="34" charset="0"/>
+                        <a:ea typeface="DengXian" panose="02010600030101010101" pitchFamily="2" charset="-122"/>
+                        <a:cs typeface="Times New Roman" panose="02020603050405020304" pitchFamily="18" charset="0"/>
+                      </a:endParaRPr>
+                    </a:p>
+                  </a:txBody>
+                  <a:tcPr marL="176889" marR="176889" marT="176889" marB="176889">
+                    <a:lnL w="12700" cmpd="sng">
+                      <a:noFill/>
+                      <a:prstDash val="solid"/>
+                    </a:lnL>
+                    <a:lnR w="12700" cmpd="sng">
+                      <a:noFill/>
+                      <a:prstDash val="solid"/>
+                    </a:lnR>
+                    <a:lnT w="12700" cmpd="sng">
+                      <a:noFill/>
+                      <a:prstDash val="solid"/>
+                    </a:lnT>
+                    <a:lnB w="12700" cmpd="sng">
+                      <a:noFill/>
+                      <a:prstDash val="solid"/>
+                    </a:lnB>
+                    <a:noFill/>
+                  </a:tcPr>
+                </a:tc>
+                <a:extLst>
+                  <a:ext uri="{0D108BD9-81ED-4DB2-BD59-A6C34878D82A}">
+                    <a16:rowId xmlns:a16="http://schemas.microsoft.com/office/drawing/2014/main" val="3306604672"/>
+                  </a:ext>
+                </a:extLst>
+              </a:tr>
+              <a:tr h="677995">
+                <a:tc>
+                  <a:txBody>
+                    <a:bodyPr/>
+                    <a:lstStyle/>
+                    <a:p>
+                      <a:pPr marL="0" marR="0">
+                        <a:lnSpc>
+                          <a:spcPct val="115000"/>
+                        </a:lnSpc>
+                        <a:spcBef>
+                          <a:spcPts val="0"/>
+                        </a:spcBef>
+                        <a:spcAft>
+                          <a:spcPts val="0"/>
+                        </a:spcAft>
+                      </a:pPr>
+                      <a:r>
+                        <a:rPr lang="en-US" sz="1700" b="1" kern="0" cap="none" spc="0">
+                          <a:solidFill>
+                            <a:schemeClr val="tx1"/>
+                          </a:solidFill>
+                          <a:effectLst/>
+                        </a:rPr>
+                        <a:t>DINOv2 (Oquab, 2023)</a:t>
+                      </a:r>
+                      <a:endParaRPr lang="en-US" sz="1700" b="1" kern="100" cap="none" spc="0">
+                        <a:solidFill>
+                          <a:schemeClr val="tx1"/>
+                        </a:solidFill>
+                        <a:effectLst/>
+                        <a:latin typeface="Aptos" panose="020B0004020202020204" pitchFamily="34" charset="0"/>
+                        <a:ea typeface="DengXian" panose="02010600030101010101" pitchFamily="2" charset="-122"/>
+                        <a:cs typeface="Times New Roman" panose="02020603050405020304" pitchFamily="18" charset="0"/>
+                      </a:endParaRPr>
+                    </a:p>
+                  </a:txBody>
+                  <a:tcPr marL="176889" marR="176889" marT="176889" marB="176889">
+                    <a:lnL w="12700" cmpd="sng">
+                      <a:noFill/>
+                      <a:prstDash val="solid"/>
+                    </a:lnL>
+                    <a:lnR w="12700" cmpd="sng">
+                      <a:noFill/>
+                      <a:prstDash val="solid"/>
+                    </a:lnR>
+                    <a:lnT w="12700" cmpd="sng">
+                      <a:noFill/>
+                      <a:prstDash val="solid"/>
+                    </a:lnT>
+                    <a:lnB w="12700" cmpd="sng">
+                      <a:noFill/>
+                      <a:prstDash val="solid"/>
+                    </a:lnB>
+                    <a:solidFill>
+                      <a:srgbClr val="000000">
+                        <a:alpha val="7843"/>
+                      </a:srgbClr>
+                    </a:solidFill>
+                  </a:tcPr>
+                </a:tc>
+                <a:tc>
+                  <a:txBody>
+                    <a:bodyPr/>
+                    <a:lstStyle/>
+                    <a:p>
+                      <a:pPr marL="0" marR="0" algn="ctr">
+                        <a:lnSpc>
+                          <a:spcPct val="115000"/>
+                        </a:lnSpc>
+                        <a:spcBef>
+                          <a:spcPts val="0"/>
+                        </a:spcBef>
+                        <a:spcAft>
+                          <a:spcPts val="0"/>
+                        </a:spcAft>
+                      </a:pPr>
+                      <a:r>
+                        <a:rPr lang="en-US" sz="1700" kern="0" cap="none" spc="0">
+                          <a:solidFill>
+                            <a:schemeClr val="tx1"/>
+                          </a:solidFill>
+                          <a:effectLst/>
+                        </a:rPr>
+                        <a:t>99.50%,</a:t>
+                      </a:r>
+                      <a:endParaRPr lang="en-US" sz="1700" kern="100" cap="none" spc="0">
+                        <a:solidFill>
+                          <a:schemeClr val="tx1"/>
+                        </a:solidFill>
+                        <a:effectLst/>
+                        <a:latin typeface="Aptos" panose="020B0004020202020204" pitchFamily="34" charset="0"/>
+                        <a:ea typeface="DengXian" panose="02010600030101010101" pitchFamily="2" charset="-122"/>
+                        <a:cs typeface="Times New Roman" panose="02020603050405020304" pitchFamily="18" charset="0"/>
+                      </a:endParaRPr>
+                    </a:p>
+                  </a:txBody>
+                  <a:tcPr marL="176889" marR="176889" marT="176889" marB="176889">
+                    <a:lnL w="12700" cmpd="sng">
+                      <a:noFill/>
+                      <a:prstDash val="solid"/>
+                    </a:lnL>
+                    <a:lnR w="12700" cmpd="sng">
+                      <a:noFill/>
+                      <a:prstDash val="solid"/>
+                    </a:lnR>
+                    <a:lnT w="12700" cmpd="sng">
+                      <a:noFill/>
+                      <a:prstDash val="solid"/>
+                    </a:lnT>
+                    <a:lnB w="12700" cmpd="sng">
+                      <a:noFill/>
+                      <a:prstDash val="solid"/>
+                    </a:lnB>
+                    <a:solidFill>
+                      <a:srgbClr val="000000">
+                        <a:alpha val="7843"/>
+                      </a:srgbClr>
+                    </a:solidFill>
+                  </a:tcPr>
+                </a:tc>
+                <a:extLst>
+                  <a:ext uri="{0D108BD9-81ED-4DB2-BD59-A6C34878D82A}">
+                    <a16:rowId xmlns:a16="http://schemas.microsoft.com/office/drawing/2014/main" val="3487544096"/>
+                  </a:ext>
+                </a:extLst>
+              </a:tr>
+              <a:tr h="677995">
+                <a:tc>
+                  <a:txBody>
+                    <a:bodyPr/>
+                    <a:lstStyle/>
+                    <a:p>
+                      <a:pPr marL="0" marR="0">
+                        <a:lnSpc>
+                          <a:spcPct val="115000"/>
+                        </a:lnSpc>
+                        <a:spcBef>
+                          <a:spcPts val="0"/>
+                        </a:spcBef>
+                        <a:spcAft>
+                          <a:spcPts val="0"/>
+                        </a:spcAft>
+                      </a:pPr>
+                      <a:r>
+                        <a:rPr lang="en-US" sz="1700" b="1" kern="0" cap="none" spc="0">
+                          <a:solidFill>
+                            <a:schemeClr val="tx1"/>
+                          </a:solidFill>
+                          <a:effectLst/>
+                        </a:rPr>
+                        <a:t>SVC (Ours)</a:t>
+                      </a:r>
+                      <a:endParaRPr lang="en-US" sz="1700" b="1" kern="100" cap="none" spc="0">
+                        <a:solidFill>
+                          <a:schemeClr val="tx1"/>
+                        </a:solidFill>
+                        <a:effectLst/>
+                        <a:latin typeface="Aptos" panose="020B0004020202020204" pitchFamily="34" charset="0"/>
+                        <a:ea typeface="DengXian" panose="02010600030101010101" pitchFamily="2" charset="-122"/>
+                        <a:cs typeface="Times New Roman" panose="02020603050405020304" pitchFamily="18" charset="0"/>
+                      </a:endParaRPr>
+                    </a:p>
+                  </a:txBody>
+                  <a:tcPr marL="176889" marR="176889" marT="176889" marB="176889">
+                    <a:lnL w="12700" cmpd="sng">
+                      <a:noFill/>
+                      <a:prstDash val="solid"/>
+                    </a:lnL>
+                    <a:lnR w="12700" cmpd="sng">
+                      <a:noFill/>
+                      <a:prstDash val="solid"/>
+                    </a:lnR>
+                    <a:lnT w="12700" cmpd="sng">
+                      <a:noFill/>
+                      <a:prstDash val="solid"/>
+                    </a:lnT>
+                    <a:lnB w="12700" cmpd="sng">
+                      <a:noFill/>
+                      <a:prstDash val="solid"/>
+                    </a:lnB>
+                    <a:noFill/>
+                  </a:tcPr>
+                </a:tc>
+                <a:tc>
+                  <a:txBody>
+                    <a:bodyPr/>
+                    <a:lstStyle/>
+                    <a:p>
+                      <a:pPr marL="0" marR="0" algn="ctr">
+                        <a:lnSpc>
+                          <a:spcPct val="115000"/>
+                        </a:lnSpc>
+                        <a:spcBef>
+                          <a:spcPts val="0"/>
+                        </a:spcBef>
+                        <a:spcAft>
+                          <a:spcPts val="0"/>
+                        </a:spcAft>
+                      </a:pPr>
+                      <a:r>
+                        <a:rPr lang="en-US" sz="1700" kern="0" cap="none" spc="0">
+                          <a:solidFill>
+                            <a:schemeClr val="tx1"/>
+                          </a:solidFill>
+                          <a:effectLst/>
+                        </a:rPr>
+                        <a:t>56.03%</a:t>
+                      </a:r>
+                      <a:endParaRPr lang="en-US" sz="1700" kern="100" cap="none" spc="0">
+                        <a:solidFill>
+                          <a:schemeClr val="tx1"/>
+                        </a:solidFill>
+                        <a:effectLst/>
+                        <a:latin typeface="Aptos" panose="020B0004020202020204" pitchFamily="34" charset="0"/>
+                        <a:ea typeface="DengXian" panose="02010600030101010101" pitchFamily="2" charset="-122"/>
+                        <a:cs typeface="Times New Roman" panose="02020603050405020304" pitchFamily="18" charset="0"/>
+                      </a:endParaRPr>
+                    </a:p>
+                  </a:txBody>
+                  <a:tcPr marL="176889" marR="176889" marT="176889" marB="176889">
+                    <a:lnL w="12700" cmpd="sng">
+                      <a:noFill/>
+                      <a:prstDash val="solid"/>
+                    </a:lnL>
+                    <a:lnR w="12700" cmpd="sng">
+                      <a:noFill/>
+                      <a:prstDash val="solid"/>
+                    </a:lnR>
+                    <a:lnT w="12700" cmpd="sng">
+                      <a:noFill/>
+                      <a:prstDash val="solid"/>
+                    </a:lnT>
+                    <a:lnB w="12700" cmpd="sng">
+                      <a:noFill/>
+                      <a:prstDash val="solid"/>
+                    </a:lnB>
+                    <a:noFill/>
+                  </a:tcPr>
+                </a:tc>
+                <a:extLst>
+                  <a:ext uri="{0D108BD9-81ED-4DB2-BD59-A6C34878D82A}">
+                    <a16:rowId xmlns:a16="http://schemas.microsoft.com/office/drawing/2014/main" val="3035751426"/>
+                  </a:ext>
+                </a:extLst>
+              </a:tr>
+              <a:tr h="677995">
+                <a:tc>
+                  <a:txBody>
+                    <a:bodyPr/>
+                    <a:lstStyle/>
+                    <a:p>
+                      <a:pPr marL="0" marR="0">
+                        <a:lnSpc>
+                          <a:spcPct val="115000"/>
+                        </a:lnSpc>
+                        <a:spcBef>
+                          <a:spcPts val="0"/>
+                        </a:spcBef>
+                        <a:spcAft>
+                          <a:spcPts val="0"/>
+                        </a:spcAft>
+                      </a:pPr>
+                      <a:r>
+                        <a:rPr lang="en-US" sz="1700" b="1" kern="0" cap="none" spc="0">
+                          <a:solidFill>
+                            <a:schemeClr val="tx1"/>
+                          </a:solidFill>
+                          <a:effectLst/>
+                        </a:rPr>
+                        <a:t>RFC (Ours)</a:t>
+                      </a:r>
+                      <a:endParaRPr lang="en-US" sz="1700" b="1" kern="100" cap="none" spc="0">
+                        <a:solidFill>
+                          <a:schemeClr val="tx1"/>
+                        </a:solidFill>
+                        <a:effectLst/>
+                        <a:latin typeface="Aptos" panose="020B0004020202020204" pitchFamily="34" charset="0"/>
+                        <a:ea typeface="DengXian" panose="02010600030101010101" pitchFamily="2" charset="-122"/>
+                        <a:cs typeface="Times New Roman" panose="02020603050405020304" pitchFamily="18" charset="0"/>
+                      </a:endParaRPr>
+                    </a:p>
+                  </a:txBody>
+                  <a:tcPr marL="176889" marR="176889" marT="176889" marB="176889">
+                    <a:lnL w="12700" cmpd="sng">
+                      <a:noFill/>
+                      <a:prstDash val="solid"/>
+                    </a:lnL>
+                    <a:lnR w="12700" cmpd="sng">
+                      <a:noFill/>
+                      <a:prstDash val="solid"/>
+                    </a:lnR>
+                    <a:lnT w="12700" cmpd="sng">
+                      <a:noFill/>
+                      <a:prstDash val="solid"/>
+                    </a:lnT>
+                    <a:lnB w="12700" cmpd="sng">
+                      <a:noFill/>
+                      <a:prstDash val="solid"/>
+                    </a:lnB>
+                    <a:solidFill>
+                      <a:srgbClr val="000000">
+                        <a:alpha val="7843"/>
+                      </a:srgbClr>
+                    </a:solidFill>
+                  </a:tcPr>
+                </a:tc>
+                <a:tc>
+                  <a:txBody>
+                    <a:bodyPr/>
+                    <a:lstStyle/>
+                    <a:p>
+                      <a:pPr marL="0" marR="0" algn="ctr">
+                        <a:lnSpc>
+                          <a:spcPct val="115000"/>
+                        </a:lnSpc>
+                        <a:spcBef>
+                          <a:spcPts val="0"/>
+                        </a:spcBef>
+                        <a:spcAft>
+                          <a:spcPts val="0"/>
+                        </a:spcAft>
+                      </a:pPr>
+                      <a:r>
+                        <a:rPr lang="en-US" sz="1700" kern="0" cap="none" spc="0">
+                          <a:solidFill>
+                            <a:schemeClr val="tx1"/>
+                          </a:solidFill>
+                          <a:effectLst/>
+                        </a:rPr>
+                        <a:t>47.12%</a:t>
+                      </a:r>
+                      <a:endParaRPr lang="en-US" sz="1700" kern="100" cap="none" spc="0">
+                        <a:solidFill>
+                          <a:schemeClr val="tx1"/>
+                        </a:solidFill>
+                        <a:effectLst/>
+                        <a:latin typeface="Aptos" panose="020B0004020202020204" pitchFamily="34" charset="0"/>
+                        <a:ea typeface="DengXian" panose="02010600030101010101" pitchFamily="2" charset="-122"/>
+                        <a:cs typeface="Times New Roman" panose="02020603050405020304" pitchFamily="18" charset="0"/>
+                      </a:endParaRPr>
+                    </a:p>
+                  </a:txBody>
+                  <a:tcPr marL="176889" marR="176889" marT="176889" marB="176889">
+                    <a:lnL w="12700" cmpd="sng">
+                      <a:noFill/>
+                      <a:prstDash val="solid"/>
+                    </a:lnL>
+                    <a:lnR w="12700" cmpd="sng">
+                      <a:noFill/>
+                      <a:prstDash val="solid"/>
+                    </a:lnR>
+                    <a:lnT w="12700" cmpd="sng">
+                      <a:noFill/>
+                      <a:prstDash val="solid"/>
+                    </a:lnT>
+                    <a:lnB w="12700" cmpd="sng">
+                      <a:noFill/>
+                      <a:prstDash val="solid"/>
+                    </a:lnB>
+                    <a:solidFill>
+                      <a:srgbClr val="000000">
+                        <a:alpha val="7843"/>
+                      </a:srgbClr>
+                    </a:solidFill>
+                  </a:tcPr>
+                </a:tc>
+                <a:extLst>
+                  <a:ext uri="{0D108BD9-81ED-4DB2-BD59-A6C34878D82A}">
+                    <a16:rowId xmlns:a16="http://schemas.microsoft.com/office/drawing/2014/main" val="1007220693"/>
+                  </a:ext>
+                </a:extLst>
+              </a:tr>
+            </a:tbl>
+          </a:graphicData>
+        </a:graphic>
+      </p:graphicFrame>
+    </p:spTree>
+    <p:extLst>
+      <p:ext uri="{BB962C8B-B14F-4D97-AF65-F5344CB8AC3E}">
+        <p14:creationId xmlns:p14="http://schemas.microsoft.com/office/powerpoint/2010/main" val="4259310687"/>
       </p:ext>
     </p:extLst>
   </p:cSld>
